--- a/gabarit-60x90cm-ver_1.pptx
+++ b/gabarit-60x90cm-ver_1.pptx
@@ -109,7 +109,7 @@
   </p:defaultTextStyle>
   <p:extLst>
     <p:ext uri="{EFAFB233-063F-42B5-8137-9DF3F51BA10A}">
-      <p15:sldGuideLst xmlns:p15="http://schemas.microsoft.com/office/powerpoint/2012/main" xmlns="">
+      <p15:sldGuideLst xmlns="" xmlns:p15="http://schemas.microsoft.com/office/powerpoint/2012/main">
         <p15:guide id="1" orient="horz" pos="10206">
           <p15:clr>
             <a:srgbClr val="A4A3A4"/>
@@ -136,9 +136,9 @@
           <c:layoutTarget val="inner"/>
           <c:xMode val="edge"/>
           <c:yMode val="edge"/>
-          <c:x val="6.1965364815571987E-2"/>
-          <c:y val="8.0411801973029232E-2"/>
-          <c:w val="0.74808827941544642"/>
+          <c:x val="6.1965364815571994E-2"/>
+          <c:y val="8.0411801973029245E-2"/>
+          <c:w val="0.74808827941544653"/>
           <c:h val="0.74841644794400697"/>
         </c:manualLayout>
       </c:layout>
@@ -313,26 +313,25 @@
             </c:numRef>
           </c:val>
         </c:ser>
-        <c:dLbls/>
-        <c:axId val="100068352"/>
-        <c:axId val="100072832"/>
+        <c:axId val="60270848"/>
+        <c:axId val="60290176"/>
       </c:barChart>
       <c:catAx>
-        <c:axId val="100068352"/>
+        <c:axId val="60270848"/>
         <c:scaling>
           <c:orientation val="minMax"/>
         </c:scaling>
         <c:axPos val="b"/>
         <c:numFmt formatCode="General" sourceLinked="0"/>
         <c:tickLblPos val="nextTo"/>
-        <c:crossAx val="100072832"/>
+        <c:crossAx val="60290176"/>
         <c:crosses val="autoZero"/>
         <c:auto val="1"/>
         <c:lblAlgn val="ctr"/>
         <c:lblOffset val="100"/>
       </c:catAx>
       <c:valAx>
-        <c:axId val="100072832"/>
+        <c:axId val="60290176"/>
         <c:scaling>
           <c:orientation val="minMax"/>
         </c:scaling>
@@ -340,7 +339,7 @@
         <c:majorGridlines/>
         <c:numFmt formatCode="General" sourceLinked="1"/>
         <c:tickLblPos val="nextTo"/>
-        <c:crossAx val="100068352"/>
+        <c:crossAx val="60270848"/>
         <c:crosses val="autoZero"/>
         <c:crossBetween val="between"/>
       </c:valAx>
@@ -1354,10 +1353,24 @@
     <dgm:pt modelId="{F5E03858-5652-4CC7-A70E-EA09B375EEDF}" type="pres">
       <dgm:prSet presAssocID="{E9B010E0-DF6E-4A8B-883E-D57EF9A24B56}" presName="sibTrans" presStyleLbl="sibTrans2D1" presStyleIdx="0" presStyleCnt="3"/>
       <dgm:spPr/>
+      <dgm:t>
+        <a:bodyPr/>
+        <a:lstStyle/>
+        <a:p>
+          <a:endParaRPr lang="fr-FR"/>
+        </a:p>
+      </dgm:t>
     </dgm:pt>
     <dgm:pt modelId="{20360C56-39F4-41D6-8E27-19303C103A76}" type="pres">
       <dgm:prSet presAssocID="{E9B010E0-DF6E-4A8B-883E-D57EF9A24B56}" presName="connectorText" presStyleLbl="sibTrans2D1" presStyleIdx="0" presStyleCnt="3"/>
       <dgm:spPr/>
+      <dgm:t>
+        <a:bodyPr/>
+        <a:lstStyle/>
+        <a:p>
+          <a:endParaRPr lang="fr-FR"/>
+        </a:p>
+      </dgm:t>
     </dgm:pt>
     <dgm:pt modelId="{B7C738DD-6B7F-470C-B7FE-6E3BFBA20A9E}" type="pres">
       <dgm:prSet presAssocID="{5136D705-147B-4586-9A77-7F0D93CCBA4A}" presName="node" presStyleLbl="node1" presStyleIdx="1" presStyleCnt="4">
@@ -1377,10 +1390,24 @@
     <dgm:pt modelId="{B19AC6E7-21D5-49AF-A55C-A684A81DF676}" type="pres">
       <dgm:prSet presAssocID="{A08CC0E5-E1D7-4FEA-9753-9252C3E8D5B5}" presName="sibTrans" presStyleLbl="sibTrans2D1" presStyleIdx="1" presStyleCnt="3"/>
       <dgm:spPr/>
+      <dgm:t>
+        <a:bodyPr/>
+        <a:lstStyle/>
+        <a:p>
+          <a:endParaRPr lang="fr-FR"/>
+        </a:p>
+      </dgm:t>
     </dgm:pt>
     <dgm:pt modelId="{DE1D67EB-AF83-4756-9DB3-53B80B90A267}" type="pres">
       <dgm:prSet presAssocID="{A08CC0E5-E1D7-4FEA-9753-9252C3E8D5B5}" presName="connectorText" presStyleLbl="sibTrans2D1" presStyleIdx="1" presStyleCnt="3"/>
       <dgm:spPr/>
+      <dgm:t>
+        <a:bodyPr/>
+        <a:lstStyle/>
+        <a:p>
+          <a:endParaRPr lang="fr-FR"/>
+        </a:p>
+      </dgm:t>
     </dgm:pt>
     <dgm:pt modelId="{5ED1175E-574A-4725-A1D3-6CE60F6F53AA}" type="pres">
       <dgm:prSet presAssocID="{CE7880AC-422D-4303-9B78-C822D5791F85}" presName="node" presStyleLbl="node1" presStyleIdx="2" presStyleCnt="4">
@@ -1400,10 +1427,24 @@
     <dgm:pt modelId="{D99EBC9F-CE47-4E25-99FB-188CCD33EDDA}" type="pres">
       <dgm:prSet presAssocID="{5F479D59-896D-4177-B1B4-2CCA485FE704}" presName="sibTrans" presStyleLbl="sibTrans2D1" presStyleIdx="2" presStyleCnt="3"/>
       <dgm:spPr/>
+      <dgm:t>
+        <a:bodyPr/>
+        <a:lstStyle/>
+        <a:p>
+          <a:endParaRPr lang="fr-FR"/>
+        </a:p>
+      </dgm:t>
     </dgm:pt>
     <dgm:pt modelId="{BCA2B973-80D4-4974-8E7F-326B288BDB43}" type="pres">
       <dgm:prSet presAssocID="{5F479D59-896D-4177-B1B4-2CCA485FE704}" presName="connectorText" presStyleLbl="sibTrans2D1" presStyleIdx="2" presStyleCnt="3"/>
       <dgm:spPr/>
+      <dgm:t>
+        <a:bodyPr/>
+        <a:lstStyle/>
+        <a:p>
+          <a:endParaRPr lang="fr-FR"/>
+        </a:p>
+      </dgm:t>
     </dgm:pt>
     <dgm:pt modelId="{D58F5B7B-5F4F-43C8-8D57-BE04A5AED534}" type="pres">
       <dgm:prSet presAssocID="{6D6D8B7F-58AA-45E6-A0D6-E0288A2534D7}" presName="node" presStyleLbl="node1" presStyleIdx="3" presStyleCnt="4">
@@ -1422,13 +1463,13 @@
     </dgm:pt>
   </dgm:ptLst>
   <dgm:cxnLst>
+    <dgm:cxn modelId="{1B530A68-D841-43B4-8518-E9A30DA02076}" type="presOf" srcId="{CE7880AC-422D-4303-9B78-C822D5791F85}" destId="{5ED1175E-574A-4725-A1D3-6CE60F6F53AA}" srcOrd="0" destOrd="0" presId="urn:microsoft.com/office/officeart/2005/8/layout/process1"/>
+    <dgm:cxn modelId="{C65CC120-814D-435E-9730-1B38688FA122}" type="presOf" srcId="{5F479D59-896D-4177-B1B4-2CCA485FE704}" destId="{D99EBC9F-CE47-4E25-99FB-188CCD33EDDA}" srcOrd="0" destOrd="0" presId="urn:microsoft.com/office/officeart/2005/8/layout/process1"/>
     <dgm:cxn modelId="{FB306451-4BCB-44B6-84C5-939618864201}" type="presOf" srcId="{A08CC0E5-E1D7-4FEA-9753-9252C3E8D5B5}" destId="{B19AC6E7-21D5-49AF-A55C-A684A81DF676}" srcOrd="0" destOrd="0" presId="urn:microsoft.com/office/officeart/2005/8/layout/process1"/>
-    <dgm:cxn modelId="{C65CC120-814D-435E-9730-1B38688FA122}" type="presOf" srcId="{5F479D59-896D-4177-B1B4-2CCA485FE704}" destId="{D99EBC9F-CE47-4E25-99FB-188CCD33EDDA}" srcOrd="0" destOrd="0" presId="urn:microsoft.com/office/officeart/2005/8/layout/process1"/>
-    <dgm:cxn modelId="{1B530A68-D841-43B4-8518-E9A30DA02076}" type="presOf" srcId="{CE7880AC-422D-4303-9B78-C822D5791F85}" destId="{5ED1175E-574A-4725-A1D3-6CE60F6F53AA}" srcOrd="0" destOrd="0" presId="urn:microsoft.com/office/officeart/2005/8/layout/process1"/>
     <dgm:cxn modelId="{08C99694-C335-44FA-BF54-529D664BBF56}" type="presOf" srcId="{6D6D8B7F-58AA-45E6-A0D6-E0288A2534D7}" destId="{D58F5B7B-5F4F-43C8-8D57-BE04A5AED534}" srcOrd="0" destOrd="0" presId="urn:microsoft.com/office/officeart/2005/8/layout/process1"/>
+    <dgm:cxn modelId="{32BED817-FDB1-4D6A-A4CC-C4826AE7F69A}" type="presOf" srcId="{5136D705-147B-4586-9A77-7F0D93CCBA4A}" destId="{B7C738DD-6B7F-470C-B7FE-6E3BFBA20A9E}" srcOrd="0" destOrd="0" presId="urn:microsoft.com/office/officeart/2005/8/layout/process1"/>
     <dgm:cxn modelId="{CA53E6F4-9910-43E7-8A9F-AC48494A3485}" srcId="{FC2CADF3-D274-458E-B660-7F7E2B4DDD71}" destId="{CE7880AC-422D-4303-9B78-C822D5791F85}" srcOrd="2" destOrd="0" parTransId="{30DE1FAD-CD7B-47AF-A84A-E524D8BEEC37}" sibTransId="{5F479D59-896D-4177-B1B4-2CCA485FE704}"/>
     <dgm:cxn modelId="{E7646FF0-FDAB-44E6-8E05-81B023BB7C44}" type="presOf" srcId="{FC2CADF3-D274-458E-B660-7F7E2B4DDD71}" destId="{B20B64E0-D19A-4A88-A2EE-9F4B084BA0AD}" srcOrd="0" destOrd="0" presId="urn:microsoft.com/office/officeart/2005/8/layout/process1"/>
-    <dgm:cxn modelId="{32BED817-FDB1-4D6A-A4CC-C4826AE7F69A}" type="presOf" srcId="{5136D705-147B-4586-9A77-7F0D93CCBA4A}" destId="{B7C738DD-6B7F-470C-B7FE-6E3BFBA20A9E}" srcOrd="0" destOrd="0" presId="urn:microsoft.com/office/officeart/2005/8/layout/process1"/>
     <dgm:cxn modelId="{48D33534-9885-40D7-8A77-DC46C780E61E}" srcId="{FC2CADF3-D274-458E-B660-7F7E2B4DDD71}" destId="{6D6D8B7F-58AA-45E6-A0D6-E0288A2534D7}" srcOrd="3" destOrd="0" parTransId="{1CE3B9BC-F839-4738-848B-D15FB9E30D6A}" sibTransId="{A05F3F54-CF88-4605-BA17-600D5A247D6E}"/>
     <dgm:cxn modelId="{75574265-9008-40D3-94FF-DFADDA8695DE}" type="presOf" srcId="{8EADAD70-47FE-4610-BA16-7540576DCED9}" destId="{69E7B104-C59E-4C06-9673-29405D36642C}" srcOrd="0" destOrd="0" presId="urn:microsoft.com/office/officeart/2005/8/layout/process1"/>
     <dgm:cxn modelId="{B976C988-D24B-4E88-A1A9-7F5BF252B4BC}" type="presOf" srcId="{A08CC0E5-E1D7-4FEA-9753-9252C3E8D5B5}" destId="{DE1D67EB-AF83-4756-9DB3-53B80B90A267}" srcOrd="1" destOrd="0" presId="urn:microsoft.com/office/officeart/2005/8/layout/process1"/>
@@ -2715,7 +2756,8 @@
           <a:p>
             <a:fld id="{06AE7855-945C-49CD-8798-194093DB97D2}" type="datetimeFigureOut">
               <a:rPr lang="fr-FR" smtClean="0"/>
-              <a:t>23/06/2016</a:t>
+              <a:pPr/>
+              <a:t>24/06/2016</a:t>
             </a:fld>
             <a:endParaRPr lang="fr-FR"/>
           </a:p>
@@ -2876,6 +2918,7 @@
           <a:p>
             <a:fld id="{7BACD439-15D5-4FA1-985D-977486662F95}" type="slidenum">
               <a:rPr lang="fr-FR" smtClean="0"/>
+              <a:pPr/>
               <a:t>‹N°›</a:t>
             </a:fld>
             <a:endParaRPr lang="fr-FR"/>
@@ -3047,6 +3090,7 @@
           <a:p>
             <a:fld id="{7BACD439-15D5-4FA1-985D-977486662F95}" type="slidenum">
               <a:rPr lang="fr-FR" smtClean="0"/>
+              <a:pPr/>
               <a:t>1</a:t>
             </a:fld>
             <a:endParaRPr lang="fr-FR"/>
@@ -3243,7 +3287,7 @@
             <a:fld id="{86757B88-2907-4C2E-9C35-0C2BABC68B9C}" type="datetimeFigureOut">
               <a:rPr lang="fr-CA" smtClean="0"/>
               <a:pPr/>
-              <a:t>2016-06-23</a:t>
+              <a:t>2016-06-24</a:t>
             </a:fld>
             <a:endParaRPr lang="fr-CA"/>
           </a:p>
@@ -3295,7 +3339,7 @@
     </p:spTree>
     <p:extLst>
       <p:ext uri="{BB962C8B-B14F-4D97-AF65-F5344CB8AC3E}">
-        <p14:creationId xmlns:p14="http://schemas.microsoft.com/office/powerpoint/2010/main" xmlns="" val="3157543030"/>
+        <p14:creationId xmlns="" xmlns:p14="http://schemas.microsoft.com/office/powerpoint/2010/main" val="3157543030"/>
       </p:ext>
     </p:extLst>
   </p:cSld>
@@ -3415,7 +3459,7 @@
             <a:fld id="{86757B88-2907-4C2E-9C35-0C2BABC68B9C}" type="datetimeFigureOut">
               <a:rPr lang="fr-CA" smtClean="0"/>
               <a:pPr/>
-              <a:t>2016-06-23</a:t>
+              <a:t>2016-06-24</a:t>
             </a:fld>
             <a:endParaRPr lang="fr-CA"/>
           </a:p>
@@ -3467,7 +3511,7 @@
     </p:spTree>
     <p:extLst>
       <p:ext uri="{BB962C8B-B14F-4D97-AF65-F5344CB8AC3E}">
-        <p14:creationId xmlns:p14="http://schemas.microsoft.com/office/powerpoint/2010/main" xmlns="" val="1064425872"/>
+        <p14:creationId xmlns="" xmlns:p14="http://schemas.microsoft.com/office/powerpoint/2010/main" val="1064425872"/>
       </p:ext>
     </p:extLst>
   </p:cSld>
@@ -3597,7 +3641,7 @@
             <a:fld id="{86757B88-2907-4C2E-9C35-0C2BABC68B9C}" type="datetimeFigureOut">
               <a:rPr lang="fr-CA" smtClean="0"/>
               <a:pPr/>
-              <a:t>2016-06-23</a:t>
+              <a:t>2016-06-24</a:t>
             </a:fld>
             <a:endParaRPr lang="fr-CA"/>
           </a:p>
@@ -3649,7 +3693,7 @@
     </p:spTree>
     <p:extLst>
       <p:ext uri="{BB962C8B-B14F-4D97-AF65-F5344CB8AC3E}">
-        <p14:creationId xmlns:p14="http://schemas.microsoft.com/office/powerpoint/2010/main" xmlns="" val="3033819450"/>
+        <p14:creationId xmlns="" xmlns:p14="http://schemas.microsoft.com/office/powerpoint/2010/main" val="3033819450"/>
       </p:ext>
     </p:extLst>
   </p:cSld>
@@ -3769,7 +3813,7 @@
             <a:fld id="{86757B88-2907-4C2E-9C35-0C2BABC68B9C}" type="datetimeFigureOut">
               <a:rPr lang="fr-CA" smtClean="0"/>
               <a:pPr/>
-              <a:t>2016-06-23</a:t>
+              <a:t>2016-06-24</a:t>
             </a:fld>
             <a:endParaRPr lang="fr-CA"/>
           </a:p>
@@ -3821,7 +3865,7 @@
     </p:spTree>
     <p:extLst>
       <p:ext uri="{BB962C8B-B14F-4D97-AF65-F5344CB8AC3E}">
-        <p14:creationId xmlns:p14="http://schemas.microsoft.com/office/powerpoint/2010/main" xmlns="" val="1001404168"/>
+        <p14:creationId xmlns="" xmlns:p14="http://schemas.microsoft.com/office/powerpoint/2010/main" val="1001404168"/>
       </p:ext>
     </p:extLst>
   </p:cSld>
@@ -4017,7 +4061,7 @@
             <a:fld id="{86757B88-2907-4C2E-9C35-0C2BABC68B9C}" type="datetimeFigureOut">
               <a:rPr lang="fr-CA" smtClean="0"/>
               <a:pPr/>
-              <a:t>2016-06-23</a:t>
+              <a:t>2016-06-24</a:t>
             </a:fld>
             <a:endParaRPr lang="fr-CA"/>
           </a:p>
@@ -4069,7 +4113,7 @@
     </p:spTree>
     <p:extLst>
       <p:ext uri="{BB962C8B-B14F-4D97-AF65-F5344CB8AC3E}">
-        <p14:creationId xmlns:p14="http://schemas.microsoft.com/office/powerpoint/2010/main" xmlns="" val="1188265031"/>
+        <p14:creationId xmlns="" xmlns:p14="http://schemas.microsoft.com/office/powerpoint/2010/main" val="1188265031"/>
       </p:ext>
     </p:extLst>
   </p:cSld>
@@ -4307,7 +4351,7 @@
             <a:fld id="{86757B88-2907-4C2E-9C35-0C2BABC68B9C}" type="datetimeFigureOut">
               <a:rPr lang="fr-CA" smtClean="0"/>
               <a:pPr/>
-              <a:t>2016-06-23</a:t>
+              <a:t>2016-06-24</a:t>
             </a:fld>
             <a:endParaRPr lang="fr-CA"/>
           </a:p>
@@ -4359,7 +4403,7 @@
     </p:spTree>
     <p:extLst>
       <p:ext uri="{BB962C8B-B14F-4D97-AF65-F5344CB8AC3E}">
-        <p14:creationId xmlns:p14="http://schemas.microsoft.com/office/powerpoint/2010/main" xmlns="" val="3559763466"/>
+        <p14:creationId xmlns="" xmlns:p14="http://schemas.microsoft.com/office/powerpoint/2010/main" val="3559763466"/>
       </p:ext>
     </p:extLst>
   </p:cSld>
@@ -4736,7 +4780,7 @@
             <a:fld id="{86757B88-2907-4C2E-9C35-0C2BABC68B9C}" type="datetimeFigureOut">
               <a:rPr lang="fr-CA" smtClean="0"/>
               <a:pPr/>
-              <a:t>2016-06-23</a:t>
+              <a:t>2016-06-24</a:t>
             </a:fld>
             <a:endParaRPr lang="fr-CA"/>
           </a:p>
@@ -4788,7 +4832,7 @@
     </p:spTree>
     <p:extLst>
       <p:ext uri="{BB962C8B-B14F-4D97-AF65-F5344CB8AC3E}">
-        <p14:creationId xmlns:p14="http://schemas.microsoft.com/office/powerpoint/2010/main" xmlns="" val="2051736334"/>
+        <p14:creationId xmlns="" xmlns:p14="http://schemas.microsoft.com/office/powerpoint/2010/main" val="2051736334"/>
       </p:ext>
     </p:extLst>
   </p:cSld>
@@ -4856,7 +4900,7 @@
             <a:fld id="{86757B88-2907-4C2E-9C35-0C2BABC68B9C}" type="datetimeFigureOut">
               <a:rPr lang="fr-CA" smtClean="0"/>
               <a:pPr/>
-              <a:t>2016-06-23</a:t>
+              <a:t>2016-06-24</a:t>
             </a:fld>
             <a:endParaRPr lang="fr-CA"/>
           </a:p>
@@ -4908,7 +4952,7 @@
     </p:spTree>
     <p:extLst>
       <p:ext uri="{BB962C8B-B14F-4D97-AF65-F5344CB8AC3E}">
-        <p14:creationId xmlns:p14="http://schemas.microsoft.com/office/powerpoint/2010/main" xmlns="" val="1870730654"/>
+        <p14:creationId xmlns="" xmlns:p14="http://schemas.microsoft.com/office/powerpoint/2010/main" val="1870730654"/>
       </p:ext>
     </p:extLst>
   </p:cSld>
@@ -4953,7 +4997,7 @@
             <a:fld id="{86757B88-2907-4C2E-9C35-0C2BABC68B9C}" type="datetimeFigureOut">
               <a:rPr lang="fr-CA" smtClean="0"/>
               <a:pPr/>
-              <a:t>2016-06-23</a:t>
+              <a:t>2016-06-24</a:t>
             </a:fld>
             <a:endParaRPr lang="fr-CA"/>
           </a:p>
@@ -5005,7 +5049,7 @@
     </p:spTree>
     <p:extLst>
       <p:ext uri="{BB962C8B-B14F-4D97-AF65-F5344CB8AC3E}">
-        <p14:creationId xmlns:p14="http://schemas.microsoft.com/office/powerpoint/2010/main" xmlns="" val="2440295872"/>
+        <p14:creationId xmlns="" xmlns:p14="http://schemas.microsoft.com/office/powerpoint/2010/main" val="2440295872"/>
       </p:ext>
     </p:extLst>
   </p:cSld>
@@ -5232,7 +5276,7 @@
             <a:fld id="{86757B88-2907-4C2E-9C35-0C2BABC68B9C}" type="datetimeFigureOut">
               <a:rPr lang="fr-CA" smtClean="0"/>
               <a:pPr/>
-              <a:t>2016-06-23</a:t>
+              <a:t>2016-06-24</a:t>
             </a:fld>
             <a:endParaRPr lang="fr-CA"/>
           </a:p>
@@ -5284,7 +5328,7 @@
     </p:spTree>
     <p:extLst>
       <p:ext uri="{BB962C8B-B14F-4D97-AF65-F5344CB8AC3E}">
-        <p14:creationId xmlns:p14="http://schemas.microsoft.com/office/powerpoint/2010/main" xmlns="" val="777751877"/>
+        <p14:creationId xmlns="" xmlns:p14="http://schemas.microsoft.com/office/powerpoint/2010/main" val="777751877"/>
       </p:ext>
     </p:extLst>
   </p:cSld>
@@ -5487,7 +5531,7 @@
             <a:fld id="{86757B88-2907-4C2E-9C35-0C2BABC68B9C}" type="datetimeFigureOut">
               <a:rPr lang="fr-CA" smtClean="0"/>
               <a:pPr/>
-              <a:t>2016-06-23</a:t>
+              <a:t>2016-06-24</a:t>
             </a:fld>
             <a:endParaRPr lang="fr-CA"/>
           </a:p>
@@ -5539,7 +5583,7 @@
     </p:spTree>
     <p:extLst>
       <p:ext uri="{BB962C8B-B14F-4D97-AF65-F5344CB8AC3E}">
-        <p14:creationId xmlns:p14="http://schemas.microsoft.com/office/powerpoint/2010/main" xmlns="" val="1964240074"/>
+        <p14:creationId xmlns="" xmlns:p14="http://schemas.microsoft.com/office/powerpoint/2010/main" val="1964240074"/>
       </p:ext>
     </p:extLst>
   </p:cSld>
@@ -5708,7 +5752,7 @@
             <a:fld id="{86757B88-2907-4C2E-9C35-0C2BABC68B9C}" type="datetimeFigureOut">
               <a:rPr lang="fr-CA" smtClean="0"/>
               <a:pPr/>
-              <a:t>2016-06-23</a:t>
+              <a:t>2016-06-24</a:t>
             </a:fld>
             <a:endParaRPr lang="fr-CA"/>
           </a:p>
@@ -5796,7 +5840,7 @@
     </p:spTree>
     <p:extLst>
       <p:ext uri="{BB962C8B-B14F-4D97-AF65-F5344CB8AC3E}">
-        <p14:creationId xmlns:p14="http://schemas.microsoft.com/office/powerpoint/2010/main" xmlns="" val="284729838"/>
+        <p14:creationId xmlns="" xmlns:p14="http://schemas.microsoft.com/office/powerpoint/2010/main" val="284729838"/>
       </p:ext>
     </p:extLst>
   </p:cSld>
@@ -6110,18 +6154,14 @@
         <p:spPr bwMode="auto">
           <a:xfrm>
             <a:off x="114697" y="504281"/>
-            <a:ext cx="20973725" cy="3666350"/>
+            <a:ext cx="21488003" cy="3666350"/>
           </a:xfrm>
           <a:prstGeom prst="rect">
             <a:avLst/>
           </a:prstGeom>
           <a:noFill/>
           <a:ln>
-            <a:solidFill>
-              <a:schemeClr val="bg2">
-                <a:lumMod val="25000"/>
-              </a:schemeClr>
-            </a:solidFill>
+            <a:noFill/>
           </a:ln>
           <a:effectLst>
             <a:outerShdw blurRad="50800" dist="38100" dir="10800000" algn="r" rotWithShape="0">
@@ -6132,14 +6172,14 @@
           </a:effectLst>
           <a:extLst>
             <a:ext uri="{909E8E84-426E-40DD-AFC4-6F175D3DCCD1}">
-              <a14:hiddenFill xmlns:a14="http://schemas.microsoft.com/office/drawing/2010/main" xmlns="">
+              <a14:hiddenFill xmlns="" xmlns:a14="http://schemas.microsoft.com/office/drawing/2010/main">
                 <a:solidFill>
                   <a:srgbClr val="FFFFFF"/>
                 </a:solidFill>
               </a14:hiddenFill>
             </a:ext>
             <a:ext uri="{91240B29-F687-4F45-9708-019B960494DF}">
-              <a14:hiddenLine xmlns:a14="http://schemas.microsoft.com/office/drawing/2010/main" xmlns="" w="9525">
+              <a14:hiddenLine xmlns="" xmlns:a14="http://schemas.microsoft.com/office/drawing/2010/main" w="9525">
                 <a:solidFill>
                   <a:srgbClr val="000000"/>
                 </a:solidFill>
@@ -6838,17 +6878,7 @@
                 <a:latin typeface="Segoe UI Light" pitchFamily="34" charset="0"/>
                 <a:cs typeface="Segoe UI Light" pitchFamily="34" charset="0"/>
               </a:rPr>
-              <a:t> </a:t>
-            </a:r>
-            <a:r>
-              <a:rPr lang="fr-CA" sz="4400" dirty="0" smtClean="0">
-                <a:solidFill>
-                  <a:prstClr val="black"/>
-                </a:solidFill>
-                <a:latin typeface="Segoe UI Light" pitchFamily="34" charset="0"/>
-                <a:cs typeface="Segoe UI Light" pitchFamily="34" charset="0"/>
-              </a:rPr>
-              <a:t>Réaliser un GUI.</a:t>
+              <a:t> Réaliser un GUI.</a:t>
             </a:r>
           </a:p>
         </p:txBody>
@@ -6919,20 +6949,6 @@
               </a:rPr>
               <a:t>Algorithmes des tests</a:t>
             </a:r>
-            <a:endParaRPr lang="fr-CA" sz="5400" b="1" dirty="0" smtClean="0">
-              <a:solidFill>
-                <a:prstClr val="black"/>
-              </a:solidFill>
-              <a:effectLst>
-                <a:outerShdw blurRad="38100" dist="38100" dir="2700000" algn="tl">
-                  <a:srgbClr val="000000">
-                    <a:alpha val="43137"/>
-                  </a:srgbClr>
-                </a:outerShdw>
-              </a:effectLst>
-              <a:latin typeface="Segoe UI Light" pitchFamily="34" charset="0"/>
-              <a:cs typeface="Segoe UI Light" pitchFamily="34" charset="0"/>
-            </a:endParaRPr>
           </a:p>
           <a:p>
             <a:pPr lvl="0">
@@ -7601,25 +7617,8 @@
                 <a:latin typeface="Arial" panose="020B0604020202020204" pitchFamily="34" charset="0"/>
                 <a:cs typeface="Arial" panose="020B0604020202020204" pitchFamily="34" charset="0"/>
               </a:rPr>
-              <a:t>Applications</a:t>
-            </a:r>
-            <a:r>
-              <a:rPr lang="fr-CA" sz="4200" b="1" spc="-100" dirty="0" smtClean="0">
-                <a:solidFill>
-                  <a:prstClr val="black"/>
-                </a:solidFill>
-                <a:latin typeface="Arial" panose="020B0604020202020204" pitchFamily="34" charset="0"/>
-                <a:cs typeface="Arial" panose="020B0604020202020204" pitchFamily="34" charset="0"/>
-              </a:rPr>
-              <a:t> </a:t>
-            </a:r>
-            <a:endParaRPr lang="fr-CA" sz="4200" b="1" spc="-100" dirty="0" smtClean="0">
-              <a:solidFill>
-                <a:prstClr val="black"/>
-              </a:solidFill>
-              <a:latin typeface="Arial" panose="020B0604020202020204" pitchFamily="34" charset="0"/>
-              <a:cs typeface="Arial" panose="020B0604020202020204" pitchFamily="34" charset="0"/>
-            </a:endParaRPr>
+              <a:t>Applications </a:t>
+            </a:r>
           </a:p>
           <a:p>
             <a:pPr lvl="0">
@@ -8455,7 +8454,7 @@
           <p:nvPr>
             <p:extLst>
               <p:ext uri="{D42A27DB-BD31-4B8C-83A1-F6EECF244321}">
-                <p14:modId xmlns:p14="http://schemas.microsoft.com/office/powerpoint/2010/main" xmlns="" val="1668838395"/>
+                <p14:modId xmlns="" xmlns:p14="http://schemas.microsoft.com/office/powerpoint/2010/main" val="1668838395"/>
               </p:ext>
             </p:extLst>
           </p:nvPr>
@@ -8482,7 +8481,7 @@
           <a:blip r:embed="rId5">
             <a:extLst>
               <a:ext uri="{28A0092B-C50C-407E-A947-70E740481C1C}">
-                <a14:useLocalDpi xmlns:a14="http://schemas.microsoft.com/office/drawing/2010/main" xmlns="" val="0"/>
+                <a14:useLocalDpi xmlns="" xmlns:a14="http://schemas.microsoft.com/office/drawing/2010/main" val="0"/>
               </a:ext>
             </a:extLst>
           </a:blip>
@@ -8506,14 +8505,14 @@
           <a:effectLst/>
           <a:extLst>
             <a:ext uri="{909E8E84-426E-40DD-AFC4-6F175D3DCCD1}">
-              <a14:hiddenFill xmlns:a14="http://schemas.microsoft.com/office/drawing/2010/main" xmlns="">
+              <a14:hiddenFill xmlns="" xmlns:a14="http://schemas.microsoft.com/office/drawing/2010/main">
                 <a:solidFill>
                   <a:schemeClr val="accent1"/>
                 </a:solidFill>
               </a14:hiddenFill>
             </a:ext>
             <a:ext uri="{91240B29-F687-4F45-9708-019B960494DF}">
-              <a14:hiddenLine xmlns:a14="http://schemas.microsoft.com/office/drawing/2010/main" xmlns="" w="9525">
+              <a14:hiddenLine xmlns="" xmlns:a14="http://schemas.microsoft.com/office/drawing/2010/main" w="9525">
                 <a:solidFill>
                   <a:schemeClr val="tx1"/>
                 </a:solidFill>
@@ -8523,7 +8522,7 @@
               </a14:hiddenLine>
             </a:ext>
             <a:ext uri="{AF507438-7753-43E0-B8FC-AC1667EBCBE1}">
-              <a14:hiddenEffects xmlns:a14="http://schemas.microsoft.com/office/drawing/2010/main" xmlns="">
+              <a14:hiddenEffects xmlns="" xmlns:a14="http://schemas.microsoft.com/office/drawing/2010/main">
                 <a:effectLst>
                   <a:outerShdw dist="35921" dir="2700000" algn="ctr" rotWithShape="0">
                     <a:schemeClr val="bg2"/>
@@ -8566,9 +8565,7 @@
           </a:prstGeom>
           <a:noFill/>
           <a:ln>
-            <a:solidFill>
-              <a:srgbClr val="002060"/>
-            </a:solidFill>
+            <a:noFill/>
           </a:ln>
         </p:spPr>
         <p:txBody>
@@ -8629,7 +8626,7 @@
     </p:spTree>
     <p:extLst>
       <p:ext uri="{BB962C8B-B14F-4D97-AF65-F5344CB8AC3E}">
-        <p14:creationId xmlns:p14="http://schemas.microsoft.com/office/powerpoint/2010/main" xmlns="" val="3768782698"/>
+        <p14:creationId xmlns="" xmlns:p14="http://schemas.microsoft.com/office/powerpoint/2010/main" val="3768782698"/>
       </p:ext>
     </p:extLst>
   </p:cSld>
